--- a/clases/Cap01_Introduccion/presentations/IMG01_SegmentacionFrutosRojos.pptx
+++ b/clases/Cap01_Introduccion/presentations/IMG01_SegmentacionFrutosRojos.pptx
@@ -111,6 +111,11 @@
       </a:defRPr>
     </a:lvl9pPr>
   </p:defaultTextStyle>
+  <p:extLst>
+    <p:ext uri="{EFAFB233-063F-42B5-8137-9DF3F51BA10A}">
+      <p15:sldGuideLst xmlns:p15="http://schemas.microsoft.com/office/powerpoint/2012/main"/>
+    </p:ext>
+  </p:extLst>
 </p:presentation>
 </file>
 
@@ -263,7 +268,7 @@
           <a:p>
             <a:fld id="{FC23740E-7E65-D04E-BE60-E30C54C17C18}" type="datetimeFigureOut">
               <a:rPr lang="es-ES_tradnl" smtClean="0"/>
-              <a:t>26/8/21</a:t>
+              <a:t>25/8/22</a:t>
             </a:fld>
             <a:endParaRPr lang="es-ES_tradnl"/>
           </a:p>
@@ -463,7 +468,7 @@
           <a:p>
             <a:fld id="{FC23740E-7E65-D04E-BE60-E30C54C17C18}" type="datetimeFigureOut">
               <a:rPr lang="es-ES_tradnl" smtClean="0"/>
-              <a:t>26/8/21</a:t>
+              <a:t>25/8/22</a:t>
             </a:fld>
             <a:endParaRPr lang="es-ES_tradnl"/>
           </a:p>
@@ -673,7 +678,7 @@
           <a:p>
             <a:fld id="{FC23740E-7E65-D04E-BE60-E30C54C17C18}" type="datetimeFigureOut">
               <a:rPr lang="es-ES_tradnl" smtClean="0"/>
-              <a:t>26/8/21</a:t>
+              <a:t>25/8/22</a:t>
             </a:fld>
             <a:endParaRPr lang="es-ES_tradnl"/>
           </a:p>
@@ -873,7 +878,7 @@
           <a:p>
             <a:fld id="{FC23740E-7E65-D04E-BE60-E30C54C17C18}" type="datetimeFigureOut">
               <a:rPr lang="es-ES_tradnl" smtClean="0"/>
-              <a:t>26/8/21</a:t>
+              <a:t>25/8/22</a:t>
             </a:fld>
             <a:endParaRPr lang="es-ES_tradnl"/>
           </a:p>
@@ -1149,7 +1154,7 @@
           <a:p>
             <a:fld id="{FC23740E-7E65-D04E-BE60-E30C54C17C18}" type="datetimeFigureOut">
               <a:rPr lang="es-ES_tradnl" smtClean="0"/>
-              <a:t>26/8/21</a:t>
+              <a:t>25/8/22</a:t>
             </a:fld>
             <a:endParaRPr lang="es-ES_tradnl"/>
           </a:p>
@@ -1417,7 +1422,7 @@
           <a:p>
             <a:fld id="{FC23740E-7E65-D04E-BE60-E30C54C17C18}" type="datetimeFigureOut">
               <a:rPr lang="es-ES_tradnl" smtClean="0"/>
-              <a:t>26/8/21</a:t>
+              <a:t>25/8/22</a:t>
             </a:fld>
             <a:endParaRPr lang="es-ES_tradnl"/>
           </a:p>
@@ -1832,7 +1837,7 @@
           <a:p>
             <a:fld id="{FC23740E-7E65-D04E-BE60-E30C54C17C18}" type="datetimeFigureOut">
               <a:rPr lang="es-ES_tradnl" smtClean="0"/>
-              <a:t>26/8/21</a:t>
+              <a:t>25/8/22</a:t>
             </a:fld>
             <a:endParaRPr lang="es-ES_tradnl"/>
           </a:p>
@@ -1974,7 +1979,7 @@
           <a:p>
             <a:fld id="{FC23740E-7E65-D04E-BE60-E30C54C17C18}" type="datetimeFigureOut">
               <a:rPr lang="es-ES_tradnl" smtClean="0"/>
-              <a:t>26/8/21</a:t>
+              <a:t>25/8/22</a:t>
             </a:fld>
             <a:endParaRPr lang="es-ES_tradnl"/>
           </a:p>
@@ -2087,7 +2092,7 @@
           <a:p>
             <a:fld id="{FC23740E-7E65-D04E-BE60-E30C54C17C18}" type="datetimeFigureOut">
               <a:rPr lang="es-ES_tradnl" smtClean="0"/>
-              <a:t>26/8/21</a:t>
+              <a:t>25/8/22</a:t>
             </a:fld>
             <a:endParaRPr lang="es-ES_tradnl"/>
           </a:p>
@@ -2400,7 +2405,7 @@
           <a:p>
             <a:fld id="{FC23740E-7E65-D04E-BE60-E30C54C17C18}" type="datetimeFigureOut">
               <a:rPr lang="es-ES_tradnl" smtClean="0"/>
-              <a:t>26/8/21</a:t>
+              <a:t>25/8/22</a:t>
             </a:fld>
             <a:endParaRPr lang="es-ES_tradnl"/>
           </a:p>
@@ -2689,7 +2694,7 @@
           <a:p>
             <a:fld id="{FC23740E-7E65-D04E-BE60-E30C54C17C18}" type="datetimeFigureOut">
               <a:rPr lang="es-ES_tradnl" smtClean="0"/>
-              <a:t>26/8/21</a:t>
+              <a:t>25/8/22</a:t>
             </a:fld>
             <a:endParaRPr lang="es-ES_tradnl"/>
           </a:p>
@@ -2932,7 +2937,7 @@
           <a:p>
             <a:fld id="{FC23740E-7E65-D04E-BE60-E30C54C17C18}" type="datetimeFigureOut">
               <a:rPr lang="es-ES_tradnl" smtClean="0"/>
-              <a:t>26/8/21</a:t>
+              <a:t>25/8/22</a:t>
             </a:fld>
             <a:endParaRPr lang="es-ES_tradnl"/>
           </a:p>
@@ -4120,12 +4125,49 @@
           <a:chExt cx="0" cy="0"/>
         </a:xfrm>
       </p:grpSpPr>
+      <p:sp>
+        <p:nvSpPr>
+          <p:cNvPr id="4" name="Rectangle 3">
+            <a:extLst>
+              <a:ext uri="{FF2B5EF4-FFF2-40B4-BE49-F238E27FC236}">
+                <a16:creationId xmlns:a16="http://schemas.microsoft.com/office/drawing/2014/main" id="{B8590218-95CF-E847-B90D-C46C0910C105}"/>
+              </a:ext>
+            </a:extLst>
+          </p:cNvPr>
+          <p:cNvSpPr/>
+          <p:nvPr/>
+        </p:nvSpPr>
+        <p:spPr>
+          <a:xfrm>
+            <a:off x="298279" y="301438"/>
+            <a:ext cx="1517403" cy="369332"/>
+          </a:xfrm>
+          <a:prstGeom prst="rect">
+            <a:avLst/>
+          </a:prstGeom>
+        </p:spPr>
+        <p:txBody>
+          <a:bodyPr wrap="none">
+            <a:spAutoFit/>
+          </a:bodyPr>
+          <a:lstStyle/>
+          <a:p>
+            <a:r>
+              <a:rPr lang="es-ES_tradnl" dirty="0">
+                <a:latin typeface="Trebuchet MS" panose="020B0703020202090204" pitchFamily="34" charset="0"/>
+              </a:rPr>
+              <a:t>Visualización</a:t>
+            </a:r>
+            <a:endParaRPr lang="es-ES_tradnl" dirty="0"/>
+          </a:p>
+        </p:txBody>
+      </p:sp>
       <p:pic>
         <p:nvPicPr>
-          <p:cNvPr id="10242" name="Picture 2">
-            <a:extLst>
-              <a:ext uri="{FF2B5EF4-FFF2-40B4-BE49-F238E27FC236}">
-                <a16:creationId xmlns:a16="http://schemas.microsoft.com/office/drawing/2014/main" id="{7E671270-6E9E-AF4A-B583-7E7B4993AF7F}"/>
+          <p:cNvPr id="1026" name="Picture 2">
+            <a:extLst>
+              <a:ext uri="{FF2B5EF4-FFF2-40B4-BE49-F238E27FC236}">
+                <a16:creationId xmlns:a16="http://schemas.microsoft.com/office/drawing/2014/main" id="{6BFF8A4A-BD23-0AA8-0E74-CEFA1E6BB014}"/>
               </a:ext>
             </a:extLst>
           </p:cNvPr>
@@ -4167,43 +4209,6 @@
           </a:extLst>
         </p:spPr>
       </p:pic>
-      <p:sp>
-        <p:nvSpPr>
-          <p:cNvPr id="4" name="Rectangle 3">
-            <a:extLst>
-              <a:ext uri="{FF2B5EF4-FFF2-40B4-BE49-F238E27FC236}">
-                <a16:creationId xmlns:a16="http://schemas.microsoft.com/office/drawing/2014/main" id="{B8590218-95CF-E847-B90D-C46C0910C105}"/>
-              </a:ext>
-            </a:extLst>
-          </p:cNvPr>
-          <p:cNvSpPr/>
-          <p:nvPr/>
-        </p:nvSpPr>
-        <p:spPr>
-          <a:xfrm>
-            <a:off x="298279" y="301438"/>
-            <a:ext cx="1517403" cy="369332"/>
-          </a:xfrm>
-          <a:prstGeom prst="rect">
-            <a:avLst/>
-          </a:prstGeom>
-        </p:spPr>
-        <p:txBody>
-          <a:bodyPr wrap="none">
-            <a:spAutoFit/>
-          </a:bodyPr>
-          <a:lstStyle/>
-          <a:p>
-            <a:r>
-              <a:rPr lang="es-ES_tradnl" dirty="0">
-                <a:latin typeface="Trebuchet MS" panose="020B0703020202090204" pitchFamily="34" charset="0"/>
-              </a:rPr>
-              <a:t>Visualización</a:t>
-            </a:r>
-            <a:endParaRPr lang="es-ES_tradnl" dirty="0"/>
-          </a:p>
-        </p:txBody>
-      </p:sp>
     </p:spTree>
     <p:extLst>
       <p:ext uri="{BB962C8B-B14F-4D97-AF65-F5344CB8AC3E}">

--- a/clases/Cap01_Introduccion/presentations/IMG01_SegmentacionFrutosRojos.pptx
+++ b/clases/Cap01_Introduccion/presentations/IMG01_SegmentacionFrutosRojos.pptx
@@ -268,7 +268,7 @@
           <a:p>
             <a:fld id="{FC23740E-7E65-D04E-BE60-E30C54C17C18}" type="datetimeFigureOut">
               <a:rPr lang="es-ES_tradnl" smtClean="0"/>
-              <a:t>25/8/22</a:t>
+              <a:t>22/8/23</a:t>
             </a:fld>
             <a:endParaRPr lang="es-ES_tradnl"/>
           </a:p>
@@ -468,7 +468,7 @@
           <a:p>
             <a:fld id="{FC23740E-7E65-D04E-BE60-E30C54C17C18}" type="datetimeFigureOut">
               <a:rPr lang="es-ES_tradnl" smtClean="0"/>
-              <a:t>25/8/22</a:t>
+              <a:t>22/8/23</a:t>
             </a:fld>
             <a:endParaRPr lang="es-ES_tradnl"/>
           </a:p>
@@ -678,7 +678,7 @@
           <a:p>
             <a:fld id="{FC23740E-7E65-D04E-BE60-E30C54C17C18}" type="datetimeFigureOut">
               <a:rPr lang="es-ES_tradnl" smtClean="0"/>
-              <a:t>25/8/22</a:t>
+              <a:t>22/8/23</a:t>
             </a:fld>
             <a:endParaRPr lang="es-ES_tradnl"/>
           </a:p>
@@ -878,7 +878,7 @@
           <a:p>
             <a:fld id="{FC23740E-7E65-D04E-BE60-E30C54C17C18}" type="datetimeFigureOut">
               <a:rPr lang="es-ES_tradnl" smtClean="0"/>
-              <a:t>25/8/22</a:t>
+              <a:t>22/8/23</a:t>
             </a:fld>
             <a:endParaRPr lang="es-ES_tradnl"/>
           </a:p>
@@ -1154,7 +1154,7 @@
           <a:p>
             <a:fld id="{FC23740E-7E65-D04E-BE60-E30C54C17C18}" type="datetimeFigureOut">
               <a:rPr lang="es-ES_tradnl" smtClean="0"/>
-              <a:t>25/8/22</a:t>
+              <a:t>22/8/23</a:t>
             </a:fld>
             <a:endParaRPr lang="es-ES_tradnl"/>
           </a:p>
@@ -1422,7 +1422,7 @@
           <a:p>
             <a:fld id="{FC23740E-7E65-D04E-BE60-E30C54C17C18}" type="datetimeFigureOut">
               <a:rPr lang="es-ES_tradnl" smtClean="0"/>
-              <a:t>25/8/22</a:t>
+              <a:t>22/8/23</a:t>
             </a:fld>
             <a:endParaRPr lang="es-ES_tradnl"/>
           </a:p>
@@ -1837,7 +1837,7 @@
           <a:p>
             <a:fld id="{FC23740E-7E65-D04E-BE60-E30C54C17C18}" type="datetimeFigureOut">
               <a:rPr lang="es-ES_tradnl" smtClean="0"/>
-              <a:t>25/8/22</a:t>
+              <a:t>22/8/23</a:t>
             </a:fld>
             <a:endParaRPr lang="es-ES_tradnl"/>
           </a:p>
@@ -1979,7 +1979,7 @@
           <a:p>
             <a:fld id="{FC23740E-7E65-D04E-BE60-E30C54C17C18}" type="datetimeFigureOut">
               <a:rPr lang="es-ES_tradnl" smtClean="0"/>
-              <a:t>25/8/22</a:t>
+              <a:t>22/8/23</a:t>
             </a:fld>
             <a:endParaRPr lang="es-ES_tradnl"/>
           </a:p>
@@ -2092,7 +2092,7 @@
           <a:p>
             <a:fld id="{FC23740E-7E65-D04E-BE60-E30C54C17C18}" type="datetimeFigureOut">
               <a:rPr lang="es-ES_tradnl" smtClean="0"/>
-              <a:t>25/8/22</a:t>
+              <a:t>22/8/23</a:t>
             </a:fld>
             <a:endParaRPr lang="es-ES_tradnl"/>
           </a:p>
@@ -2405,7 +2405,7 @@
           <a:p>
             <a:fld id="{FC23740E-7E65-D04E-BE60-E30C54C17C18}" type="datetimeFigureOut">
               <a:rPr lang="es-ES_tradnl" smtClean="0"/>
-              <a:t>25/8/22</a:t>
+              <a:t>22/8/23</a:t>
             </a:fld>
             <a:endParaRPr lang="es-ES_tradnl"/>
           </a:p>
@@ -2694,7 +2694,7 @@
           <a:p>
             <a:fld id="{FC23740E-7E65-D04E-BE60-E30C54C17C18}" type="datetimeFigureOut">
               <a:rPr lang="es-ES_tradnl" smtClean="0"/>
-              <a:t>25/8/22</a:t>
+              <a:t>22/8/23</a:t>
             </a:fld>
             <a:endParaRPr lang="es-ES_tradnl"/>
           </a:p>
@@ -2937,7 +2937,7 @@
           <a:p>
             <a:fld id="{FC23740E-7E65-D04E-BE60-E30C54C17C18}" type="datetimeFigureOut">
               <a:rPr lang="es-ES_tradnl" smtClean="0"/>
-              <a:t>25/8/22</a:t>
+              <a:t>22/8/23</a:t>
             </a:fld>
             <a:endParaRPr lang="es-ES_tradnl"/>
           </a:p>
@@ -3389,7 +3389,7 @@
                 </a:solidFill>
                 <a:latin typeface="Trebuchet MS" panose="020B0703020202090204" pitchFamily="34" charset="0"/>
               </a:rPr>
-              <a:t>Trabajo en Clases 01: </a:t>
+              <a:t>Trabajo en Clases 02: </a:t>
             </a:r>
           </a:p>
           <a:p>
